--- a/Bypassing Next-Gen Firewall Rules.pptx
+++ b/Bypassing Next-Gen Firewall Rules.pptx
@@ -5,7 +5,7 @@
     <p:sldMasterId id="2147483720" r:id="rId1"/>
   </p:sldMasterIdLst>
   <p:notesMasterIdLst>
-    <p:notesMasterId r:id="rId26"/>
+    <p:notesMasterId r:id="rId27"/>
   </p:notesMasterIdLst>
   <p:sldIdLst>
     <p:sldId id="256" r:id="rId2"/>
@@ -29,9 +29,10 @@
     <p:sldId id="275" r:id="rId20"/>
     <p:sldId id="283" r:id="rId21"/>
     <p:sldId id="278" r:id="rId22"/>
-    <p:sldId id="279" r:id="rId23"/>
-    <p:sldId id="277" r:id="rId24"/>
-    <p:sldId id="280" r:id="rId25"/>
+    <p:sldId id="284" r:id="rId23"/>
+    <p:sldId id="279" r:id="rId24"/>
+    <p:sldId id="277" r:id="rId25"/>
+    <p:sldId id="280" r:id="rId26"/>
   </p:sldIdLst>
   <p:sldSz cx="9144000" cy="6858000" type="screen4x3"/>
   <p:notesSz cx="6858000" cy="9144000"/>
@@ -215,7 +216,7 @@
           <a:p>
             <a:fld id="{5F3255A5-DEAC-4540-A78A-794B0D7CA018}" type="datetimeFigureOut">
               <a:rPr lang="en-US" smtClean="0"/>
-              <a:t>9/27/2012</a:t>
+              <a:t>10/9/14</a:t>
             </a:fld>
             <a:endParaRPr lang="en-US"/>
           </a:p>
@@ -748,7 +749,7 @@
           <a:p>
             <a:fld id="{00F15349-02A7-4763-9AC9-8947426CF7AE}" type="datetime1">
               <a:rPr lang="en-US" smtClean="0"/>
-              <a:t>9/27/2012</a:t>
+              <a:t>10/9/14</a:t>
             </a:fld>
             <a:endParaRPr lang="en-US"/>
           </a:p>
@@ -929,7 +930,7 @@
           <a:p>
             <a:fld id="{CDD7E8B4-F430-4CF4-A52A-5426F93098C7}" type="datetime1">
               <a:rPr lang="en-US" smtClean="0"/>
-              <a:t>9/27/2012</a:t>
+              <a:t>10/9/14</a:t>
             </a:fld>
             <a:endParaRPr lang="en-US"/>
           </a:p>
@@ -1109,7 +1110,7 @@
           <a:p>
             <a:fld id="{4FC8FEE0-DD3D-482D-A325-EE8C158C3552}" type="datetime1">
               <a:rPr lang="en-US" smtClean="0"/>
-              <a:t>9/27/2012</a:t>
+              <a:t>10/9/14</a:t>
             </a:fld>
             <a:endParaRPr lang="en-US"/>
           </a:p>
@@ -1279,7 +1280,7 @@
           <a:p>
             <a:fld id="{ACCC2CA4-282C-463C-BF16-FBB87BBF990D}" type="datetime1">
               <a:rPr lang="en-US" smtClean="0"/>
-              <a:t>9/27/2012</a:t>
+              <a:t>10/9/14</a:t>
             </a:fld>
             <a:endParaRPr lang="en-US"/>
           </a:p>
@@ -1536,7 +1537,7 @@
           <a:p>
             <a:fld id="{C04DAE0E-CEE3-45D5-ADFE-0EE49407BF09}" type="datetime1">
               <a:rPr lang="en-US" smtClean="0"/>
-              <a:t>9/27/2012</a:t>
+              <a:t>10/9/14</a:t>
             </a:fld>
             <a:endParaRPr lang="en-US"/>
           </a:p>
@@ -1824,7 +1825,7 @@
           <a:p>
             <a:fld id="{01F7FD69-C046-42F6-80B1-097F7C4524DE}" type="datetime1">
               <a:rPr lang="en-US" smtClean="0"/>
-              <a:t>9/27/2012</a:t>
+              <a:t>10/9/14</a:t>
             </a:fld>
             <a:endParaRPr lang="en-US"/>
           </a:p>
@@ -2246,7 +2247,7 @@
           <a:p>
             <a:fld id="{829FF5F0-76D8-4A56-9D37-953380B809B6}" type="datetime1">
               <a:rPr lang="en-US" smtClean="0"/>
-              <a:t>9/27/2012</a:t>
+              <a:t>10/9/14</a:t>
             </a:fld>
             <a:endParaRPr lang="en-US"/>
           </a:p>
@@ -2375,7 +2376,7 @@
           <a:p>
             <a:fld id="{AB155989-88D5-423F-A4F3-48243E82EFA6}" type="datetime1">
               <a:rPr lang="en-US" smtClean="0"/>
-              <a:t>9/27/2012</a:t>
+              <a:t>10/9/14</a:t>
             </a:fld>
             <a:endParaRPr lang="en-US"/>
           </a:p>
@@ -2470,7 +2471,7 @@
           <a:p>
             <a:fld id="{90675F6A-48BE-4A3B-95E9-9D5C01BAF83D}" type="datetime1">
               <a:rPr lang="en-US" smtClean="0"/>
-              <a:t>9/27/2012</a:t>
+              <a:t>10/9/14</a:t>
             </a:fld>
             <a:endParaRPr lang="en-US"/>
           </a:p>
@@ -2747,7 +2748,7 @@
           <a:p>
             <a:fld id="{392F695E-F998-4267-BD2E-2314E80005CD}" type="datetime1">
               <a:rPr lang="en-US" smtClean="0"/>
-              <a:t>9/27/2012</a:t>
+              <a:t>10/9/14</a:t>
             </a:fld>
             <a:endParaRPr lang="en-US"/>
           </a:p>
@@ -3000,7 +3001,7 @@
           <a:p>
             <a:fld id="{5B909F94-619C-4D39-BE14-8B9446C7E2AD}" type="datetime1">
               <a:rPr lang="en-US" smtClean="0"/>
-              <a:t>9/27/2012</a:t>
+              <a:t>10/9/14</a:t>
             </a:fld>
             <a:endParaRPr lang="en-US"/>
           </a:p>
@@ -3224,7 +3225,7 @@
           <a:p>
             <a:fld id="{8292F535-627D-48F9-84C1-D0E201D86EC8}" type="datetime1">
               <a:rPr lang="en-US" smtClean="0"/>
-              <a:t>9/27/2012</a:t>
+              <a:t>10/9/14</a:t>
             </a:fld>
             <a:endParaRPr lang="en-US"/>
           </a:p>
@@ -3878,7 +3879,7 @@
           </a:prstGeom>
           <a:noFill/>
           <a:extLst>
-            <a:ext uri="{909E8E84-426E-40DD-AFC4-6F175D3DCCD1}">
+            <a:ext uri="{909E8E84-426E-40dd-AFC4-6F175D3DCCD1}">
               <a14:hiddenFill xmlns:a14="http://schemas.microsoft.com/office/drawing/2010/main">
                 <a:solidFill>
                   <a:srgbClr val="FFFFFF"/>
@@ -3924,7 +3925,7 @@
   <p:timing>
     <p:tnLst>
       <p:par>
-        <p:cTn id="1" dur="indefinite" restart="never" nodeType="tmRoot"/>
+        <p:cTn xmlns:p14="http://schemas.microsoft.com/office/powerpoint/2010/main" id="1" dur="indefinite" restart="never" nodeType="tmRoot"/>
       </p:par>
     </p:tnLst>
   </p:timing>
@@ -4060,7 +4061,7 @@
           </a:prstGeom>
           <a:noFill/>
           <a:extLst>
-            <a:ext uri="{909E8E84-426E-40DD-AFC4-6F175D3DCCD1}">
+            <a:ext uri="{909E8E84-426E-40dd-AFC4-6F175D3DCCD1}">
               <a14:hiddenFill xmlns:a14="http://schemas.microsoft.com/office/drawing/2010/main">
                 <a:solidFill>
                   <a:srgbClr val="FFFFFF"/>
@@ -4106,7 +4107,7 @@
   <p:timing>
     <p:tnLst>
       <p:par>
-        <p:cTn id="1" dur="indefinite" restart="never" nodeType="tmRoot"/>
+        <p:cTn xmlns:p14="http://schemas.microsoft.com/office/powerpoint/2010/main" id="1" dur="indefinite" restart="never" nodeType="tmRoot"/>
       </p:par>
     </p:tnLst>
   </p:timing>
@@ -4281,7 +4282,7 @@
   <p:timing>
     <p:tnLst>
       <p:par>
-        <p:cTn id="1" dur="indefinite" restart="never" nodeType="tmRoot"/>
+        <p:cTn xmlns:p14="http://schemas.microsoft.com/office/powerpoint/2010/main" id="1" dur="indefinite" restart="never" nodeType="tmRoot"/>
       </p:par>
     </p:tnLst>
   </p:timing>
@@ -4416,7 +4417,7 @@
           </a:prstGeom>
           <a:noFill/>
           <a:extLst>
-            <a:ext uri="{909E8E84-426E-40DD-AFC4-6F175D3DCCD1}">
+            <a:ext uri="{909E8E84-426E-40dd-AFC4-6F175D3DCCD1}">
               <a14:hiddenFill xmlns:a14="http://schemas.microsoft.com/office/drawing/2010/main">
                 <a:solidFill>
                   <a:srgbClr val="FFFFFF"/>
@@ -4457,7 +4458,7 @@
           </a:prstGeom>
           <a:noFill/>
           <a:extLst>
-            <a:ext uri="{909E8E84-426E-40DD-AFC4-6F175D3DCCD1}">
+            <a:ext uri="{909E8E84-426E-40dd-AFC4-6F175D3DCCD1}">
               <a14:hiddenFill xmlns:a14="http://schemas.microsoft.com/office/drawing/2010/main">
                 <a:solidFill>
                   <a:srgbClr val="FFFFFF"/>
@@ -4503,7 +4504,7 @@
   <p:timing>
     <p:tnLst>
       <p:par>
-        <p:cTn id="1" dur="indefinite" restart="never" nodeType="tmRoot"/>
+        <p:cTn xmlns:p14="http://schemas.microsoft.com/office/powerpoint/2010/main" id="1" dur="indefinite" restart="never" nodeType="tmRoot"/>
       </p:par>
     </p:tnLst>
   </p:timing>
@@ -4700,7 +4701,7 @@
   <p:timing>
     <p:tnLst>
       <p:par>
-        <p:cTn id="1" dur="indefinite" restart="never" nodeType="tmRoot"/>
+        <p:cTn xmlns:p14="http://schemas.microsoft.com/office/powerpoint/2010/main" id="1" dur="indefinite" restart="never" nodeType="tmRoot"/>
       </p:par>
     </p:tnLst>
   </p:timing>
@@ -4850,14 +4851,14 @@
           </a:ln>
           <a:effectLst/>
           <a:extLst>
-            <a:ext uri="{909E8E84-426E-40DD-AFC4-6F175D3DCCD1}">
+            <a:ext uri="{909E8E84-426E-40dd-AFC4-6F175D3DCCD1}">
               <a14:hiddenFill xmlns:a14="http://schemas.microsoft.com/office/drawing/2010/main">
                 <a:solidFill>
                   <a:schemeClr val="accent1"/>
                 </a:solidFill>
               </a14:hiddenFill>
             </a:ext>
-            <a:ext uri="{91240B29-F687-4F45-9708-019B960494DF}">
+            <a:ext uri="{91240B29-F687-4f45-9708-019B960494DF}">
               <a14:hiddenLine xmlns:a14="http://schemas.microsoft.com/office/drawing/2010/main" w="9525">
                 <a:solidFill>
                   <a:schemeClr val="tx1"/>
@@ -4867,7 +4868,7 @@
                 <a:tailEnd/>
               </a14:hiddenLine>
             </a:ext>
-            <a:ext uri="{AF507438-7753-43E0-B8FC-AC1667EBCBE1}">
+            <a:ext uri="{AF507438-7753-43e0-B8FC-AC1667EBCBE1}">
               <a14:hiddenEffects xmlns:a14="http://schemas.microsoft.com/office/drawing/2010/main">
                 <a:effectLst>
                   <a:outerShdw dist="35921" dir="2700000" algn="ctr" rotWithShape="0">
@@ -4914,14 +4915,14 @@
           </a:ln>
           <a:effectLst/>
           <a:extLst>
-            <a:ext uri="{909E8E84-426E-40DD-AFC4-6F175D3DCCD1}">
+            <a:ext uri="{909E8E84-426E-40dd-AFC4-6F175D3DCCD1}">
               <a14:hiddenFill xmlns:a14="http://schemas.microsoft.com/office/drawing/2010/main">
                 <a:solidFill>
                   <a:schemeClr val="accent1"/>
                 </a:solidFill>
               </a14:hiddenFill>
             </a:ext>
-            <a:ext uri="{91240B29-F687-4F45-9708-019B960494DF}">
+            <a:ext uri="{91240B29-F687-4f45-9708-019B960494DF}">
               <a14:hiddenLine xmlns:a14="http://schemas.microsoft.com/office/drawing/2010/main" w="9525">
                 <a:solidFill>
                   <a:schemeClr val="tx1"/>
@@ -4931,7 +4932,7 @@
                 <a:tailEnd/>
               </a14:hiddenLine>
             </a:ext>
-            <a:ext uri="{AF507438-7753-43E0-B8FC-AC1667EBCBE1}">
+            <a:ext uri="{AF507438-7753-43e0-B8FC-AC1667EBCBE1}">
               <a14:hiddenEffects xmlns:a14="http://schemas.microsoft.com/office/drawing/2010/main">
                 <a:effectLst>
                   <a:outerShdw dist="35921" dir="2700000" algn="ctr" rotWithShape="0">
@@ -4978,14 +4979,14 @@
           </a:ln>
           <a:effectLst/>
           <a:extLst>
-            <a:ext uri="{909E8E84-426E-40DD-AFC4-6F175D3DCCD1}">
+            <a:ext uri="{909E8E84-426E-40dd-AFC4-6F175D3DCCD1}">
               <a14:hiddenFill xmlns:a14="http://schemas.microsoft.com/office/drawing/2010/main">
                 <a:solidFill>
                   <a:schemeClr val="accent1"/>
                 </a:solidFill>
               </a14:hiddenFill>
             </a:ext>
-            <a:ext uri="{91240B29-F687-4F45-9708-019B960494DF}">
+            <a:ext uri="{91240B29-F687-4f45-9708-019B960494DF}">
               <a14:hiddenLine xmlns:a14="http://schemas.microsoft.com/office/drawing/2010/main" w="9525">
                 <a:solidFill>
                   <a:schemeClr val="tx1"/>
@@ -4995,7 +4996,7 @@
                 <a:tailEnd/>
               </a14:hiddenLine>
             </a:ext>
-            <a:ext uri="{AF507438-7753-43E0-B8FC-AC1667EBCBE1}">
+            <a:ext uri="{AF507438-7753-43e0-B8FC-AC1667EBCBE1}">
               <a14:hiddenEffects xmlns:a14="http://schemas.microsoft.com/office/drawing/2010/main">
                 <a:effectLst>
                   <a:outerShdw dist="35921" dir="2700000" algn="ctr" rotWithShape="0">
@@ -5228,7 +5229,7 @@
   <p:timing>
     <p:tnLst>
       <p:par>
-        <p:cTn id="1" dur="indefinite" restart="never" nodeType="tmRoot"/>
+        <p:cTn xmlns:p14="http://schemas.microsoft.com/office/powerpoint/2010/main" id="1" dur="indefinite" restart="never" nodeType="tmRoot"/>
       </p:par>
     </p:tnLst>
   </p:timing>
@@ -5392,7 +5393,7 @@
   <p:timing>
     <p:tnLst>
       <p:par>
-        <p:cTn id="1" dur="indefinite" restart="never" nodeType="tmRoot"/>
+        <p:cTn xmlns:p14="http://schemas.microsoft.com/office/powerpoint/2010/main" id="1" dur="indefinite" restart="never" nodeType="tmRoot"/>
       </p:par>
     </p:tnLst>
   </p:timing>
@@ -5560,7 +5561,7 @@
   <p:timing>
     <p:tnLst>
       <p:par>
-        <p:cTn id="1" dur="indefinite" restart="never" nodeType="tmRoot"/>
+        <p:cTn xmlns:p14="http://schemas.microsoft.com/office/powerpoint/2010/main" id="1" dur="indefinite" restart="never" nodeType="tmRoot"/>
       </p:par>
     </p:tnLst>
   </p:timing>
@@ -5707,7 +5708,7 @@
   <p:timing>
     <p:tnLst>
       <p:par>
-        <p:cTn id="1" dur="indefinite" restart="never" nodeType="tmRoot"/>
+        <p:cTn xmlns:p14="http://schemas.microsoft.com/office/powerpoint/2010/main" id="1" dur="indefinite" restart="never" nodeType="tmRoot"/>
       </p:par>
     </p:tnLst>
   </p:timing>
@@ -5867,14 +5868,14 @@
           </a:ln>
           <a:effectLst/>
           <a:extLst>
-            <a:ext uri="{909E8E84-426E-40DD-AFC4-6F175D3DCCD1}">
+            <a:ext uri="{909E8E84-426E-40dd-AFC4-6F175D3DCCD1}">
               <a14:hiddenFill xmlns:a14="http://schemas.microsoft.com/office/drawing/2010/main">
                 <a:solidFill>
                   <a:schemeClr val="accent1"/>
                 </a:solidFill>
               </a14:hiddenFill>
             </a:ext>
-            <a:ext uri="{91240B29-F687-4F45-9708-019B960494DF}">
+            <a:ext uri="{91240B29-F687-4f45-9708-019B960494DF}">
               <a14:hiddenLine xmlns:a14="http://schemas.microsoft.com/office/drawing/2010/main" w="9525">
                 <a:solidFill>
                   <a:schemeClr val="tx1"/>
@@ -5884,7 +5885,7 @@
                 <a:tailEnd/>
               </a14:hiddenLine>
             </a:ext>
-            <a:ext uri="{AF507438-7753-43E0-B8FC-AC1667EBCBE1}">
+            <a:ext uri="{AF507438-7753-43e0-B8FC-AC1667EBCBE1}">
               <a14:hiddenEffects xmlns:a14="http://schemas.microsoft.com/office/drawing/2010/main">
                 <a:effectLst>
                   <a:outerShdw dist="35921" dir="2700000" algn="ctr" rotWithShape="0">
@@ -5931,14 +5932,14 @@
           </a:ln>
           <a:effectLst/>
           <a:extLst>
-            <a:ext uri="{909E8E84-426E-40DD-AFC4-6F175D3DCCD1}">
+            <a:ext uri="{909E8E84-426E-40dd-AFC4-6F175D3DCCD1}">
               <a14:hiddenFill xmlns:a14="http://schemas.microsoft.com/office/drawing/2010/main">
                 <a:solidFill>
                   <a:schemeClr val="accent1"/>
                 </a:solidFill>
               </a14:hiddenFill>
             </a:ext>
-            <a:ext uri="{91240B29-F687-4F45-9708-019B960494DF}">
+            <a:ext uri="{91240B29-F687-4f45-9708-019B960494DF}">
               <a14:hiddenLine xmlns:a14="http://schemas.microsoft.com/office/drawing/2010/main" w="9525">
                 <a:solidFill>
                   <a:schemeClr val="tx1"/>
@@ -5948,7 +5949,7 @@
                 <a:tailEnd/>
               </a14:hiddenLine>
             </a:ext>
-            <a:ext uri="{AF507438-7753-43E0-B8FC-AC1667EBCBE1}">
+            <a:ext uri="{AF507438-7753-43e0-B8FC-AC1667EBCBE1}">
               <a14:hiddenEffects xmlns:a14="http://schemas.microsoft.com/office/drawing/2010/main">
                 <a:effectLst>
                   <a:outerShdw dist="35921" dir="2700000" algn="ctr" rotWithShape="0">
@@ -6297,7 +6298,7 @@
   <p:timing>
     <p:tnLst>
       <p:par>
-        <p:cTn id="1" dur="indefinite" restart="never" nodeType="tmRoot"/>
+        <p:cTn xmlns:p14="http://schemas.microsoft.com/office/powerpoint/2010/main" id="1" dur="indefinite" restart="never" nodeType="tmRoot"/>
       </p:par>
     </p:tnLst>
   </p:timing>
@@ -6662,14 +6663,14 @@
           </a:ln>
           <a:effectLst/>
           <a:extLst>
-            <a:ext uri="{909E8E84-426E-40DD-AFC4-6F175D3DCCD1}">
+            <a:ext uri="{909E8E84-426E-40dd-AFC4-6F175D3DCCD1}">
               <a14:hiddenFill xmlns:a14="http://schemas.microsoft.com/office/drawing/2010/main">
                 <a:solidFill>
                   <a:schemeClr val="accent1"/>
                 </a:solidFill>
               </a14:hiddenFill>
             </a:ext>
-            <a:ext uri="{91240B29-F687-4F45-9708-019B960494DF}">
+            <a:ext uri="{91240B29-F687-4f45-9708-019B960494DF}">
               <a14:hiddenLine xmlns:a14="http://schemas.microsoft.com/office/drawing/2010/main" w="9525">
                 <a:solidFill>
                   <a:schemeClr val="tx1"/>
@@ -6679,7 +6680,7 @@
                 <a:tailEnd/>
               </a14:hiddenLine>
             </a:ext>
-            <a:ext uri="{AF507438-7753-43E0-B8FC-AC1667EBCBE1}">
+            <a:ext uri="{AF507438-7753-43e0-B8FC-AC1667EBCBE1}">
               <a14:hiddenEffects xmlns:a14="http://schemas.microsoft.com/office/drawing/2010/main">
                 <a:effectLst>
                   <a:outerShdw dist="35921" dir="2700000" algn="ctr" rotWithShape="0">
@@ -6727,7 +6728,7 @@
   <p:timing>
     <p:tnLst>
       <p:par>
-        <p:cTn id="1" dur="indefinite" restart="never" nodeType="tmRoot"/>
+        <p:cTn xmlns:p14="http://schemas.microsoft.com/office/powerpoint/2010/main" id="1" dur="indefinite" restart="never" nodeType="tmRoot"/>
       </p:par>
     </p:tnLst>
   </p:timing>
@@ -6893,7 +6894,7 @@
   <p:timing>
     <p:tnLst>
       <p:par>
-        <p:cTn id="1" dur="indefinite" restart="never" nodeType="tmRoot"/>
+        <p:cTn xmlns:p14="http://schemas.microsoft.com/office/powerpoint/2010/main" id="1" dur="indefinite" restart="never" nodeType="tmRoot"/>
       </p:par>
     </p:tnLst>
   </p:timing>
@@ -6961,7 +6962,7 @@
             <a:pPr algn="l"/>
             <a:r>
               <a:rPr lang="en-US" dirty="0" smtClean="0"/>
-              <a:t>Future Plans</a:t>
+              <a:t>Similar Bug?</a:t>
             </a:r>
             <a:endParaRPr lang="en-US" dirty="0"/>
           </a:p>
@@ -6980,107 +6981,47 @@
         <p:spPr/>
         <p:txBody>
           <a:bodyPr>
-            <a:normAutofit fontScale="92500" lnSpcReduction="20000"/>
+            <a:normAutofit/>
           </a:bodyPr>
           <a:lstStyle/>
           <a:p>
             <a:r>
-              <a:rPr lang="en-US" dirty="0" smtClean="0"/>
-              <a:t>Perl Script already has more features</a:t>
-            </a:r>
-          </a:p>
-          <a:p>
-            <a:pPr lvl="1"/>
-            <a:r>
-              <a:rPr lang="en-US" dirty="0" smtClean="0"/>
-              <a:t>Delay, MSS (potential IDS/DLP evasion), interactive mode</a:t>
-            </a:r>
-          </a:p>
-          <a:p>
-            <a:pPr lvl="1"/>
-            <a:r>
-              <a:rPr lang="en-US" dirty="0"/>
-              <a:t>P</a:t>
-            </a:r>
-            <a:r>
-              <a:rPr lang="en-US" dirty="0" smtClean="0"/>
-              <a:t>roblems with attaching to shell</a:t>
-            </a:r>
-          </a:p>
-          <a:p>
-            <a:r>
-              <a:rPr lang="en-US" dirty="0" smtClean="0"/>
-              <a:t>Trying a bash script that calls </a:t>
-            </a:r>
-            <a:r>
               <a:rPr lang="en-US" dirty="0" err="1" smtClean="0"/>
-              <a:t>netcat</a:t>
+              <a:t>BugTraq</a:t>
             </a:r>
             <a:endParaRPr lang="en-US" dirty="0" smtClean="0"/>
           </a:p>
           <a:p>
-            <a:pPr lvl="1"/>
-            <a:r>
-              <a:rPr lang="en-US" dirty="0" smtClean="0"/>
-              <a:t>Wouldn’t require Perl installed</a:t>
-            </a:r>
-          </a:p>
-          <a:p>
-            <a:pPr lvl="1"/>
-            <a:r>
-              <a:rPr lang="en-US" dirty="0" smtClean="0"/>
-              <a:t>Can use </a:t>
-            </a:r>
-            <a:r>
-              <a:rPr lang="en-US" dirty="0" err="1" smtClean="0"/>
-              <a:t>netcat’s</a:t>
-            </a:r>
-            <a:r>
-              <a:rPr lang="en-US" dirty="0" smtClean="0"/>
-              <a:t> “-e” option directly</a:t>
-            </a:r>
-          </a:p>
-          <a:p>
-            <a:pPr lvl="1"/>
-            <a:r>
-              <a:rPr lang="en-US" dirty="0" smtClean="0"/>
-              <a:t>Not sure how painful cmd.exe version will be</a:t>
-            </a:r>
-          </a:p>
-          <a:p>
-            <a:r>
-              <a:rPr lang="en-US" dirty="0" err="1" smtClean="0"/>
-              <a:t>Metasploit</a:t>
-            </a:r>
-            <a:r>
-              <a:rPr lang="en-US" dirty="0" smtClean="0"/>
-              <a:t> handler and payload</a:t>
-            </a:r>
-          </a:p>
-          <a:p>
-            <a:r>
-              <a:rPr lang="en-US" dirty="0" smtClean="0"/>
-              <a:t>Would love to know if it works with others</a:t>
-            </a:r>
-          </a:p>
-          <a:p>
-            <a:pPr lvl="1"/>
-            <a:r>
-              <a:rPr lang="en-US" dirty="0" err="1" smtClean="0"/>
-              <a:t>Fortinet</a:t>
-            </a:r>
-            <a:r>
-              <a:rPr lang="en-US" dirty="0" smtClean="0"/>
-              <a:t>, </a:t>
-            </a:r>
-            <a:r>
-              <a:rPr lang="en-US" dirty="0" err="1" smtClean="0"/>
-              <a:t>SonicWall</a:t>
-            </a:r>
-            <a:r>
-              <a:rPr lang="en-US" dirty="0" smtClean="0"/>
-              <a:t>, etc.</a:t>
-            </a:r>
+            <a:r>
+              <a:rPr lang="en-US" dirty="0">
+                <a:hlinkClick r:id="rId2"/>
+              </a:rPr>
+              <a:t>http://seclists.org/bugtraq/2011/Jan/</a:t>
+            </a:r>
+            <a:r>
+              <a:rPr lang="en-US" dirty="0" smtClean="0">
+                <a:hlinkClick r:id="rId2"/>
+              </a:rPr>
+              <a:t>6</a:t>
+            </a:r>
+            <a:endParaRPr lang="en-US" dirty="0" smtClean="0"/>
+          </a:p>
+          <a:p>
+            <a:r>
+              <a:rPr lang="en-US" dirty="0" smtClean="0"/>
+              <a:t>Plunging Through the Palo Alto Networks Firewall</a:t>
+            </a:r>
+          </a:p>
+          <a:p>
+            <a:r>
+              <a:rPr lang="en-US" dirty="0" smtClean="0"/>
+              <a:t>Involves FW allowing traffic categorized as </a:t>
+            </a:r>
+            <a:r>
+              <a:rPr lang="en-US" smtClean="0"/>
+              <a:t>“Unknown TCP”</a:t>
+            </a:r>
+            <a:endParaRPr lang="en-US" dirty="0" smtClean="0"/>
           </a:p>
         </p:txBody>
       </p:sp>
@@ -7110,7 +7051,7 @@
     </p:spTree>
     <p:extLst>
       <p:ext uri="{BB962C8B-B14F-4D97-AF65-F5344CB8AC3E}">
-        <p14:creationId xmlns:p14="http://schemas.microsoft.com/office/powerpoint/2010/main" val="1487047224"/>
+        <p14:creationId xmlns:p14="http://schemas.microsoft.com/office/powerpoint/2010/main" val="4229258426"/>
       </p:ext>
     </p:extLst>
   </p:cSld>
@@ -7120,7 +7061,7 @@
   <p:timing>
     <p:tnLst>
       <p:par>
-        <p:cTn id="1" dur="indefinite" restart="never" nodeType="tmRoot"/>
+        <p:cTn xmlns:p14="http://schemas.microsoft.com/office/powerpoint/2010/main" id="1" dur="indefinite" restart="never" nodeType="tmRoot"/>
       </p:par>
     </p:tnLst>
   </p:timing>
@@ -7188,7 +7129,7 @@
             <a:pPr algn="l"/>
             <a:r>
               <a:rPr lang="en-US" dirty="0" smtClean="0"/>
-              <a:t>Code and Updates</a:t>
+              <a:t>Future Plans</a:t>
             </a:r>
             <a:endParaRPr lang="en-US" dirty="0"/>
           </a:p>
@@ -7207,66 +7148,107 @@
         <p:spPr/>
         <p:txBody>
           <a:bodyPr>
-            <a:normAutofit/>
+            <a:normAutofit fontScale="92500" lnSpcReduction="20000"/>
           </a:bodyPr>
           <a:lstStyle/>
           <a:p>
             <a:r>
               <a:rPr lang="en-US" dirty="0" smtClean="0"/>
-              <a:t>Code on </a:t>
+              <a:t>Perl Script already has more features</a:t>
+            </a:r>
+          </a:p>
+          <a:p>
+            <a:pPr lvl="1"/>
+            <a:r>
+              <a:rPr lang="en-US" dirty="0" smtClean="0"/>
+              <a:t>Delay, MSS (potential IDS/DLP evasion), interactive mode</a:t>
+            </a:r>
+          </a:p>
+          <a:p>
+            <a:pPr lvl="1"/>
+            <a:r>
+              <a:rPr lang="en-US" dirty="0"/>
+              <a:t>P</a:t>
+            </a:r>
+            <a:r>
+              <a:rPr lang="en-US" dirty="0" smtClean="0"/>
+              <a:t>roblems with attaching to shell</a:t>
+            </a:r>
+          </a:p>
+          <a:p>
+            <a:r>
+              <a:rPr lang="en-US" dirty="0" smtClean="0"/>
+              <a:t>Trying a bash script that calls </a:t>
             </a:r>
             <a:r>
               <a:rPr lang="en-US" dirty="0" err="1" smtClean="0"/>
-              <a:t>GitHub</a:t>
-            </a:r>
-            <a:r>
-              <a:rPr lang="en-US" dirty="0" smtClean="0"/>
-              <a:t>:</a:t>
-            </a:r>
+              <a:t>netcat</a:t>
+            </a:r>
+            <a:endParaRPr lang="en-US" dirty="0" smtClean="0"/>
           </a:p>
           <a:p>
             <a:pPr lvl="1"/>
             <a:r>
-              <a:rPr lang="en-US" dirty="0">
-                <a:hlinkClick r:id="rId2"/>
-              </a:rPr>
-              <a:t>https://</a:t>
-            </a:r>
-            <a:r>
-              <a:rPr lang="en-US" dirty="0" smtClean="0">
-                <a:hlinkClick r:id="rId2"/>
-              </a:rPr>
-              <a:t>github.com/superponible</a:t>
-            </a:r>
-            <a:endParaRPr lang="en-US" dirty="0"/>
-          </a:p>
-          <a:p>
-            <a:r>
-              <a:rPr lang="en-US" dirty="0" smtClean="0"/>
-              <a:t>Updates and Information:</a:t>
+              <a:rPr lang="en-US" dirty="0" smtClean="0"/>
+              <a:t>Wouldn’t require Perl installed</a:t>
             </a:r>
           </a:p>
           <a:p>
             <a:pPr lvl="1"/>
             <a:r>
-              <a:rPr lang="en-US" dirty="0" smtClean="0">
-                <a:hlinkClick r:id="rId3"/>
-              </a:rPr>
-              <a:t>http://superponible.com</a:t>
-            </a:r>
-            <a:endParaRPr lang="en-US" dirty="0" smtClean="0"/>
+              <a:rPr lang="en-US" dirty="0" smtClean="0"/>
+              <a:t>Can use </a:t>
+            </a:r>
+            <a:r>
+              <a:rPr lang="en-US" dirty="0" err="1" smtClean="0"/>
+              <a:t>netcat’s</a:t>
+            </a:r>
+            <a:r>
+              <a:rPr lang="en-US" dirty="0" smtClean="0"/>
+              <a:t> “-e” option directly</a:t>
+            </a:r>
           </a:p>
           <a:p>
             <a:pPr lvl="1"/>
             <a:r>
               <a:rPr lang="en-US" dirty="0" smtClean="0"/>
-              <a:t>@</a:t>
-            </a:r>
+              <a:t>Not sure how painful cmd.exe version will be</a:t>
+            </a:r>
+          </a:p>
+          <a:p>
             <a:r>
               <a:rPr lang="en-US" dirty="0" err="1" smtClean="0"/>
-              <a:t>superponible</a:t>
-            </a:r>
-            <a:endParaRPr lang="en-US" dirty="0" smtClean="0"/>
+              <a:t>Metasploit</a:t>
+            </a:r>
+            <a:r>
+              <a:rPr lang="en-US" dirty="0" smtClean="0"/>
+              <a:t> handler and payload</a:t>
+            </a:r>
+          </a:p>
+          <a:p>
+            <a:r>
+              <a:rPr lang="en-US" dirty="0" smtClean="0"/>
+              <a:t>Would love to know if it works with others</a:t>
+            </a:r>
+          </a:p>
+          <a:p>
+            <a:pPr lvl="1"/>
+            <a:r>
+              <a:rPr lang="en-US" dirty="0" err="1" smtClean="0"/>
+              <a:t>Fortinet</a:t>
+            </a:r>
+            <a:r>
+              <a:rPr lang="en-US" dirty="0" smtClean="0"/>
+              <a:t>, </a:t>
+            </a:r>
+            <a:r>
+              <a:rPr lang="en-US" dirty="0" err="1" smtClean="0"/>
+              <a:t>SonicWall</a:t>
+            </a:r>
+            <a:r>
+              <a:rPr lang="en-US" dirty="0" smtClean="0"/>
+              <a:t>, etc.</a:t>
+            </a:r>
           </a:p>
         </p:txBody>
       </p:sp>
@@ -7296,7 +7278,7 @@
     </p:spTree>
     <p:extLst>
       <p:ext uri="{BB962C8B-B14F-4D97-AF65-F5344CB8AC3E}">
-        <p14:creationId xmlns:p14="http://schemas.microsoft.com/office/powerpoint/2010/main" val="2445486415"/>
+        <p14:creationId xmlns:p14="http://schemas.microsoft.com/office/powerpoint/2010/main" val="1487047224"/>
       </p:ext>
     </p:extLst>
   </p:cSld>
@@ -7306,7 +7288,7 @@
   <p:timing>
     <p:tnLst>
       <p:par>
-        <p:cTn id="1" dur="indefinite" restart="never" nodeType="tmRoot"/>
+        <p:cTn xmlns:p14="http://schemas.microsoft.com/office/powerpoint/2010/main" id="1" dur="indefinite" restart="never" nodeType="tmRoot"/>
       </p:par>
     </p:tnLst>
   </p:timing>
@@ -7374,6 +7356,192 @@
             <a:pPr algn="l"/>
             <a:r>
               <a:rPr lang="en-US" dirty="0" smtClean="0"/>
+              <a:t>Code and Updates</a:t>
+            </a:r>
+            <a:endParaRPr lang="en-US" dirty="0"/>
+          </a:p>
+        </p:txBody>
+      </p:sp>
+      <p:sp>
+        <p:nvSpPr>
+          <p:cNvPr id="4" name="Content Placeholder 3"/>
+          <p:cNvSpPr>
+            <a:spLocks noGrp="1"/>
+          </p:cNvSpPr>
+          <p:nvPr>
+            <p:ph idx="1"/>
+          </p:nvPr>
+        </p:nvSpPr>
+        <p:spPr/>
+        <p:txBody>
+          <a:bodyPr>
+            <a:normAutofit/>
+          </a:bodyPr>
+          <a:lstStyle/>
+          <a:p>
+            <a:r>
+              <a:rPr lang="en-US" dirty="0" smtClean="0"/>
+              <a:t>Code on </a:t>
+            </a:r>
+            <a:r>
+              <a:rPr lang="en-US" dirty="0" err="1" smtClean="0"/>
+              <a:t>GitHub</a:t>
+            </a:r>
+            <a:r>
+              <a:rPr lang="en-US" dirty="0" smtClean="0"/>
+              <a:t>:</a:t>
+            </a:r>
+          </a:p>
+          <a:p>
+            <a:pPr lvl="1"/>
+            <a:r>
+              <a:rPr lang="en-US" dirty="0">
+                <a:hlinkClick r:id="rId2"/>
+              </a:rPr>
+              <a:t>https://</a:t>
+            </a:r>
+            <a:r>
+              <a:rPr lang="en-US" dirty="0" smtClean="0">
+                <a:hlinkClick r:id="rId2"/>
+              </a:rPr>
+              <a:t>github.com/superponible</a:t>
+            </a:r>
+            <a:endParaRPr lang="en-US" dirty="0"/>
+          </a:p>
+          <a:p>
+            <a:r>
+              <a:rPr lang="en-US" dirty="0" smtClean="0"/>
+              <a:t>Updates and Information:</a:t>
+            </a:r>
+          </a:p>
+          <a:p>
+            <a:pPr lvl="1"/>
+            <a:r>
+              <a:rPr lang="en-US" dirty="0" smtClean="0">
+                <a:hlinkClick r:id="rId3"/>
+              </a:rPr>
+              <a:t>http://superponible.com</a:t>
+            </a:r>
+            <a:endParaRPr lang="en-US" dirty="0" smtClean="0"/>
+          </a:p>
+          <a:p>
+            <a:pPr lvl="1"/>
+            <a:r>
+              <a:rPr lang="en-US" dirty="0" smtClean="0"/>
+              <a:t>@</a:t>
+            </a:r>
+            <a:r>
+              <a:rPr lang="en-US" dirty="0" err="1" smtClean="0"/>
+              <a:t>superponible</a:t>
+            </a:r>
+            <a:endParaRPr lang="en-US" dirty="0" smtClean="0"/>
+          </a:p>
+        </p:txBody>
+      </p:sp>
+      <p:sp>
+        <p:nvSpPr>
+          <p:cNvPr id="5" name="Slide Number Placeholder 4"/>
+          <p:cNvSpPr>
+            <a:spLocks noGrp="1"/>
+          </p:cNvSpPr>
+          <p:nvPr>
+            <p:ph type="sldNum" sz="quarter" idx="12"/>
+          </p:nvPr>
+        </p:nvSpPr>
+        <p:spPr/>
+        <p:txBody>
+          <a:bodyPr/>
+          <a:lstStyle/>
+          <a:p>
+            <a:fld id="{40E01238-8C09-4AE2-ABBE-58DE90474244}" type="slidenum">
+              <a:rPr lang="en-US" smtClean="0"/>
+              <a:t>24</a:t>
+            </a:fld>
+            <a:endParaRPr lang="en-US"/>
+          </a:p>
+        </p:txBody>
+      </p:sp>
+    </p:spTree>
+    <p:extLst>
+      <p:ext uri="{BB962C8B-B14F-4D97-AF65-F5344CB8AC3E}">
+        <p14:creationId xmlns:p14="http://schemas.microsoft.com/office/powerpoint/2010/main" val="2445486415"/>
+      </p:ext>
+    </p:extLst>
+  </p:cSld>
+  <p:clrMapOvr>
+    <a:masterClrMapping/>
+  </p:clrMapOvr>
+  <p:timing>
+    <p:tnLst>
+      <p:par>
+        <p:cTn xmlns:p14="http://schemas.microsoft.com/office/powerpoint/2010/main" id="1" dur="indefinite" restart="never" nodeType="tmRoot"/>
+      </p:par>
+    </p:tnLst>
+  </p:timing>
+</p:sld>
+</file>
+
+<file path=ppt/slides/slide25.xml><?xml version="1.0" encoding="utf-8"?>
+<p:sld xmlns:a="http://schemas.openxmlformats.org/drawingml/2006/main" xmlns:r="http://schemas.openxmlformats.org/officeDocument/2006/relationships" xmlns:p="http://schemas.openxmlformats.org/presentationml/2006/main">
+  <p:cSld>
+    <p:bg>
+      <p:bgPr>
+        <a:gradFill flip="none" rotWithShape="1">
+          <a:gsLst>
+            <a:gs pos="0">
+              <a:schemeClr val="tx2">
+                <a:lumMod val="75000"/>
+                <a:alpha val="58000"/>
+              </a:schemeClr>
+            </a:gs>
+            <a:gs pos="87000">
+              <a:srgbClr val="BDC3D4"/>
+            </a:gs>
+            <a:gs pos="92000">
+              <a:srgbClr val="EBDAD4"/>
+            </a:gs>
+            <a:gs pos="100000">
+              <a:schemeClr val="tx1"/>
+            </a:gs>
+          </a:gsLst>
+          <a:lin ang="5400000" scaled="0"/>
+          <a:tileRect/>
+        </a:gradFill>
+        <a:effectLst/>
+      </p:bgPr>
+    </p:bg>
+    <p:spTree>
+      <p:nvGrpSpPr>
+        <p:cNvPr id="1" name=""/>
+        <p:cNvGrpSpPr/>
+        <p:nvPr/>
+      </p:nvGrpSpPr>
+      <p:grpSpPr>
+        <a:xfrm>
+          <a:off x="0" y="0"/>
+          <a:ext cx="0" cy="0"/>
+          <a:chOff x="0" y="0"/>
+          <a:chExt cx="0" cy="0"/>
+        </a:xfrm>
+      </p:grpSpPr>
+      <p:sp>
+        <p:nvSpPr>
+          <p:cNvPr id="2" name="Title 1"/>
+          <p:cNvSpPr>
+            <a:spLocks noGrp="1"/>
+          </p:cNvSpPr>
+          <p:nvPr>
+            <p:ph type="title"/>
+          </p:nvPr>
+        </p:nvSpPr>
+        <p:spPr/>
+        <p:txBody>
+          <a:bodyPr/>
+          <a:lstStyle/>
+          <a:p>
+            <a:pPr algn="l"/>
+            <a:r>
+              <a:rPr lang="en-US" dirty="0" smtClean="0"/>
               <a:t>Questions/Comments?</a:t>
             </a:r>
             <a:endParaRPr lang="en-US" dirty="0"/>
@@ -7453,7 +7621,7 @@
           <a:p>
             <a:fld id="{40E01238-8C09-4AE2-ABBE-58DE90474244}" type="slidenum">
               <a:rPr lang="en-US" smtClean="0"/>
-              <a:t>24</a:t>
+              <a:t>25</a:t>
             </a:fld>
             <a:endParaRPr lang="en-US"/>
           </a:p>
@@ -7472,7 +7640,7 @@
   <p:timing>
     <p:tnLst>
       <p:par>
-        <p:cTn id="1" dur="indefinite" restart="never" nodeType="tmRoot"/>
+        <p:cTn xmlns:p14="http://schemas.microsoft.com/office/powerpoint/2010/main" id="1" dur="indefinite" restart="never" nodeType="tmRoot"/>
       </p:par>
     </p:tnLst>
   </p:timing>
@@ -7731,7 +7899,7 @@
           </a:prstGeom>
           <a:noFill/>
           <a:extLst>
-            <a:ext uri="{909E8E84-426E-40DD-AFC4-6F175D3DCCD1}">
+            <a:ext uri="{909E8E84-426E-40dd-AFC4-6F175D3DCCD1}">
               <a14:hiddenFill xmlns:a14="http://schemas.microsoft.com/office/drawing/2010/main">
                 <a:solidFill>
                   <a:srgbClr val="FFFFFF"/>
@@ -7772,7 +7940,7 @@
           </a:prstGeom>
           <a:noFill/>
           <a:extLst>
-            <a:ext uri="{909E8E84-426E-40DD-AFC4-6F175D3DCCD1}">
+            <a:ext uri="{909E8E84-426E-40dd-AFC4-6F175D3DCCD1}">
               <a14:hiddenFill xmlns:a14="http://schemas.microsoft.com/office/drawing/2010/main">
                 <a:solidFill>
                   <a:srgbClr val="FFFFFF"/>
@@ -8000,7 +8168,7 @@
           </a:prstGeom>
           <a:noFill/>
           <a:extLst>
-            <a:ext uri="{909E8E84-426E-40DD-AFC4-6F175D3DCCD1}">
+            <a:ext uri="{909E8E84-426E-40dd-AFC4-6F175D3DCCD1}">
               <a14:hiddenFill xmlns:a14="http://schemas.microsoft.com/office/drawing/2010/main">
                 <a:solidFill>
                   <a:srgbClr val="FFFFFF"/>
@@ -8046,7 +8214,7 @@
   <p:timing>
     <p:tnLst>
       <p:par>
-        <p:cTn id="1" dur="indefinite" restart="never" nodeType="tmRoot"/>
+        <p:cTn xmlns:p14="http://schemas.microsoft.com/office/powerpoint/2010/main" id="1" dur="indefinite" restart="never" nodeType="tmRoot"/>
       </p:par>
     </p:tnLst>
   </p:timing>
@@ -8181,7 +8349,7 @@
           </a:prstGeom>
           <a:noFill/>
           <a:extLst>
-            <a:ext uri="{909E8E84-426E-40DD-AFC4-6F175D3DCCD1}">
+            <a:ext uri="{909E8E84-426E-40dd-AFC4-6F175D3DCCD1}">
               <a14:hiddenFill xmlns:a14="http://schemas.microsoft.com/office/drawing/2010/main">
                 <a:solidFill>
                   <a:srgbClr val="FFFFFF"/>
@@ -8222,7 +8390,7 @@
           </a:prstGeom>
           <a:noFill/>
           <a:extLst>
-            <a:ext uri="{909E8E84-426E-40DD-AFC4-6F175D3DCCD1}">
+            <a:ext uri="{909E8E84-426E-40dd-AFC4-6F175D3DCCD1}">
               <a14:hiddenFill xmlns:a14="http://schemas.microsoft.com/office/drawing/2010/main">
                 <a:solidFill>
                   <a:srgbClr val="FFFFFF"/>
@@ -8328,7 +8496,7 @@
   <p:timing>
     <p:tnLst>
       <p:par>
-        <p:cTn id="1" dur="indefinite" restart="never" nodeType="tmRoot"/>
+        <p:cTn xmlns:p14="http://schemas.microsoft.com/office/powerpoint/2010/main" id="1" dur="indefinite" restart="never" nodeType="tmRoot"/>
       </p:par>
     </p:tnLst>
   </p:timing>
@@ -8601,7 +8769,7 @@
   <p:timing>
     <p:tnLst>
       <p:par>
-        <p:cTn id="1" dur="indefinite" restart="never" nodeType="tmRoot"/>
+        <p:cTn xmlns:p14="http://schemas.microsoft.com/office/powerpoint/2010/main" id="1" dur="indefinite" restart="never" nodeType="tmRoot"/>
       </p:par>
     </p:tnLst>
   </p:timing>
@@ -8745,7 +8913,7 @@
           </a:prstGeom>
           <a:noFill/>
           <a:extLst>
-            <a:ext uri="{909E8E84-426E-40DD-AFC4-6F175D3DCCD1}">
+            <a:ext uri="{909E8E84-426E-40dd-AFC4-6F175D3DCCD1}">
               <a14:hiddenFill xmlns:a14="http://schemas.microsoft.com/office/drawing/2010/main">
                 <a:solidFill>
                   <a:srgbClr val="FFFFFF"/>
@@ -8791,7 +8959,7 @@
   <p:timing>
     <p:tnLst>
       <p:par>
-        <p:cTn id="1" dur="indefinite" restart="never" nodeType="tmRoot"/>
+        <p:cTn xmlns:p14="http://schemas.microsoft.com/office/powerpoint/2010/main" id="1" dur="indefinite" restart="never" nodeType="tmRoot"/>
       </p:par>
     </p:tnLst>
   </p:timing>
@@ -8927,7 +9095,7 @@
           </a:prstGeom>
           <a:noFill/>
           <a:extLst>
-            <a:ext uri="{909E8E84-426E-40DD-AFC4-6F175D3DCCD1}">
+            <a:ext uri="{909E8E84-426E-40dd-AFC4-6F175D3DCCD1}">
               <a14:hiddenFill xmlns:a14="http://schemas.microsoft.com/office/drawing/2010/main">
                 <a:solidFill>
                   <a:srgbClr val="FFFFFF"/>
@@ -8973,7 +9141,7 @@
   <p:timing>
     <p:tnLst>
       <p:par>
-        <p:cTn id="1" dur="indefinite" restart="never" nodeType="tmRoot"/>
+        <p:cTn xmlns:p14="http://schemas.microsoft.com/office/powerpoint/2010/main" id="1" dur="indefinite" restart="never" nodeType="tmRoot"/>
       </p:par>
     </p:tnLst>
   </p:timing>
